--- a/OSCORE Presentation.pptx
+++ b/OSCORE Presentation.pptx
@@ -8413,7 +8413,7 @@
             </a:pPr>
             <a:r>
               <a:rPr lang="en"/>
-              <a:t>Kenny Vu, Kobe Leong, Moshe Goldstein, Shantanu Biswas</a:t>
+              <a:t>Kenny Vu, Kobe Luong, Moshe Goldstein, Shantanu Biswas</a:t>
             </a:r>
             <a:endParaRPr/>
           </a:p>
